--- a/vladi_VALSECCHI_730030_Software_Quality_Evaluation_Project_presentation.pptx
+++ b/vladi_VALSECCHI_730030_Software_Quality_Evaluation_Project_presentation.pptx
@@ -845,7 +845,7 @@
           <a:p>
             <a:fld id="{151B7363-7A7B-422F-8CB4-D3716CC51BF6}" type="datetimeFigureOut">
               <a:rPr lang="it-IT" smtClean="0"/>
-              <a:t>24/01/2022</a:t>
+              <a:t>25/01/2022</a:t>
             </a:fld>
             <a:endParaRPr lang="it-IT"/>
           </a:p>
@@ -1096,7 +1096,7 @@
           <a:p>
             <a:fld id="{151B7363-7A7B-422F-8CB4-D3716CC51BF6}" type="datetimeFigureOut">
               <a:rPr lang="it-IT" smtClean="0"/>
-              <a:t>24/01/2022</a:t>
+              <a:t>25/01/2022</a:t>
             </a:fld>
             <a:endParaRPr lang="it-IT"/>
           </a:p>
@@ -1410,7 +1410,7 @@
           <a:p>
             <a:fld id="{151B7363-7A7B-422F-8CB4-D3716CC51BF6}" type="datetimeFigureOut">
               <a:rPr lang="it-IT" smtClean="0"/>
-              <a:t>24/01/2022</a:t>
+              <a:t>25/01/2022</a:t>
             </a:fld>
             <a:endParaRPr lang="it-IT"/>
           </a:p>
@@ -1751,7 +1751,7 @@
           <a:p>
             <a:fld id="{151B7363-7A7B-422F-8CB4-D3716CC51BF6}" type="datetimeFigureOut">
               <a:rPr lang="it-IT" smtClean="0"/>
-              <a:t>24/01/2022</a:t>
+              <a:t>25/01/2022</a:t>
             </a:fld>
             <a:endParaRPr lang="it-IT"/>
           </a:p>
@@ -2065,7 +2065,7 @@
           <a:p>
             <a:fld id="{151B7363-7A7B-422F-8CB4-D3716CC51BF6}" type="datetimeFigureOut">
               <a:rPr lang="it-IT" smtClean="0"/>
-              <a:t>24/01/2022</a:t>
+              <a:t>25/01/2022</a:t>
             </a:fld>
             <a:endParaRPr lang="it-IT"/>
           </a:p>
@@ -2458,7 +2458,7 @@
           <a:p>
             <a:fld id="{151B7363-7A7B-422F-8CB4-D3716CC51BF6}" type="datetimeFigureOut">
               <a:rPr lang="it-IT" smtClean="0"/>
-              <a:t>24/01/2022</a:t>
+              <a:t>25/01/2022</a:t>
             </a:fld>
             <a:endParaRPr lang="it-IT"/>
           </a:p>
@@ -2628,7 +2628,7 @@
           <a:p>
             <a:fld id="{151B7363-7A7B-422F-8CB4-D3716CC51BF6}" type="datetimeFigureOut">
               <a:rPr lang="it-IT" smtClean="0"/>
-              <a:t>24/01/2022</a:t>
+              <a:t>25/01/2022</a:t>
             </a:fld>
             <a:endParaRPr lang="it-IT"/>
           </a:p>
@@ -2808,7 +2808,7 @@
           <a:p>
             <a:fld id="{151B7363-7A7B-422F-8CB4-D3716CC51BF6}" type="datetimeFigureOut">
               <a:rPr lang="it-IT" smtClean="0"/>
-              <a:t>24/01/2022</a:t>
+              <a:t>25/01/2022</a:t>
             </a:fld>
             <a:endParaRPr lang="it-IT"/>
           </a:p>
@@ -2984,7 +2984,7 @@
           <a:p>
             <a:fld id="{151B7363-7A7B-422F-8CB4-D3716CC51BF6}" type="datetimeFigureOut">
               <a:rPr lang="it-IT" smtClean="0"/>
-              <a:t>24/01/2022</a:t>
+              <a:t>25/01/2022</a:t>
             </a:fld>
             <a:endParaRPr lang="it-IT"/>
           </a:p>
@@ -3231,7 +3231,7 @@
           <a:p>
             <a:fld id="{151B7363-7A7B-422F-8CB4-D3716CC51BF6}" type="datetimeFigureOut">
               <a:rPr lang="it-IT" smtClean="0"/>
-              <a:t>24/01/2022</a:t>
+              <a:t>25/01/2022</a:t>
             </a:fld>
             <a:endParaRPr lang="it-IT"/>
           </a:p>
@@ -3463,7 +3463,7 @@
           <a:p>
             <a:fld id="{151B7363-7A7B-422F-8CB4-D3716CC51BF6}" type="datetimeFigureOut">
               <a:rPr lang="it-IT" smtClean="0"/>
-              <a:t>24/01/2022</a:t>
+              <a:t>25/01/2022</a:t>
             </a:fld>
             <a:endParaRPr lang="it-IT"/>
           </a:p>
@@ -3837,7 +3837,7 @@
           <a:p>
             <a:fld id="{151B7363-7A7B-422F-8CB4-D3716CC51BF6}" type="datetimeFigureOut">
               <a:rPr lang="it-IT" smtClean="0"/>
-              <a:t>24/01/2022</a:t>
+              <a:t>25/01/2022</a:t>
             </a:fld>
             <a:endParaRPr lang="it-IT"/>
           </a:p>
@@ -3960,7 +3960,7 @@
           <a:p>
             <a:fld id="{151B7363-7A7B-422F-8CB4-D3716CC51BF6}" type="datetimeFigureOut">
               <a:rPr lang="it-IT" smtClean="0"/>
-              <a:t>24/01/2022</a:t>
+              <a:t>25/01/2022</a:t>
             </a:fld>
             <a:endParaRPr lang="it-IT"/>
           </a:p>
@@ -4055,7 +4055,7 @@
           <a:p>
             <a:fld id="{151B7363-7A7B-422F-8CB4-D3716CC51BF6}" type="datetimeFigureOut">
               <a:rPr lang="it-IT" smtClean="0"/>
-              <a:t>24/01/2022</a:t>
+              <a:t>25/01/2022</a:t>
             </a:fld>
             <a:endParaRPr lang="it-IT"/>
           </a:p>
@@ -4310,7 +4310,7 @@
           <a:p>
             <a:fld id="{151B7363-7A7B-422F-8CB4-D3716CC51BF6}" type="datetimeFigureOut">
               <a:rPr lang="it-IT" smtClean="0"/>
-              <a:t>24/01/2022</a:t>
+              <a:t>25/01/2022</a:t>
             </a:fld>
             <a:endParaRPr lang="it-IT"/>
           </a:p>
@@ -4573,7 +4573,7 @@
           <a:p>
             <a:fld id="{151B7363-7A7B-422F-8CB4-D3716CC51BF6}" type="datetimeFigureOut">
               <a:rPr lang="it-IT" smtClean="0"/>
-              <a:t>24/01/2022</a:t>
+              <a:t>25/01/2022</a:t>
             </a:fld>
             <a:endParaRPr lang="it-IT"/>
           </a:p>
@@ -5316,7 +5316,7 @@
           <a:p>
             <a:fld id="{151B7363-7A7B-422F-8CB4-D3716CC51BF6}" type="datetimeFigureOut">
               <a:rPr lang="it-IT" smtClean="0"/>
-              <a:t>24/01/2022</a:t>
+              <a:t>25/01/2022</a:t>
             </a:fld>
             <a:endParaRPr lang="it-IT"/>
           </a:p>
@@ -6815,42 +6815,6 @@
       </p:pic>
       <p:sp>
         <p:nvSpPr>
-          <p:cNvPr id="7" name="Segnaposto contenuto 6">
-            <a:extLst>
-              <a:ext uri="{FF2B5EF4-FFF2-40B4-BE49-F238E27FC236}">
-                <a16:creationId xmlns:a16="http://schemas.microsoft.com/office/drawing/2014/main" id="{CD2EFBD3-A121-4BD8-9DC0-1478EFF7418D}"/>
-              </a:ext>
-            </a:extLst>
-          </p:cNvPr>
-          <p:cNvSpPr>
-            <a:spLocks noGrp="1"/>
-          </p:cNvSpPr>
-          <p:nvPr>
-            <p:ph idx="1"/>
-          </p:nvPr>
-        </p:nvSpPr>
-        <p:spPr>
-          <a:xfrm>
-            <a:off x="5268685" y="4814595"/>
-            <a:ext cx="4531807" cy="1563899"/>
-          </a:xfrm>
-        </p:spPr>
-        <p:txBody>
-          <a:bodyPr anchor="ctr">
-            <a:normAutofit/>
-          </a:bodyPr>
-          <a:lstStyle/>
-          <a:p>
-            <a:endParaRPr lang="it-IT" dirty="0">
-              <a:solidFill>
-                <a:srgbClr val="FFFFFF"/>
-              </a:solidFill>
-            </a:endParaRPr>
-          </a:p>
-        </p:txBody>
-      </p:sp>
-      <p:sp>
-        <p:nvSpPr>
           <p:cNvPr id="2" name="Titolo 1">
             <a:extLst>
               <a:ext uri="{FF2B5EF4-FFF2-40B4-BE49-F238E27FC236}">
@@ -6883,34 +6847,34 @@
               </a:lnSpc>
             </a:pPr>
             <a:r>
-              <a:rPr lang="it-IT" sz="3300" err="1"/>
+              <a:rPr lang="it-IT" sz="3300" dirty="0" err="1"/>
               <a:t>Correlation</a:t>
             </a:r>
             <a:r>
-              <a:rPr lang="it-IT" sz="3300"/>
+              <a:rPr lang="it-IT" sz="3300" dirty="0"/>
               <a:t> </a:t>
             </a:r>
             <a:r>
-              <a:rPr lang="it-IT" sz="3300" err="1"/>
+              <a:rPr lang="it-IT" sz="3300" dirty="0" err="1"/>
               <a:t>before</a:t>
             </a:r>
             <a:r>
-              <a:rPr lang="it-IT" sz="3300"/>
+              <a:rPr lang="it-IT" sz="3300" dirty="0"/>
               <a:t> and after </a:t>
             </a:r>
             <a:r>
-              <a:rPr lang="it-IT" sz="3300" err="1"/>
+              <a:rPr lang="it-IT" sz="3300" dirty="0" err="1"/>
               <a:t>outlier</a:t>
             </a:r>
             <a:r>
-              <a:rPr lang="it-IT" sz="3300"/>
+              <a:rPr lang="it-IT" sz="3300" dirty="0"/>
               <a:t> </a:t>
             </a:r>
             <a:r>
-              <a:rPr lang="it-IT" sz="3300" err="1"/>
+              <a:rPr lang="it-IT" sz="3300" dirty="0" err="1"/>
               <a:t>removal</a:t>
             </a:r>
-            <a:endParaRPr lang="it-IT" sz="3300"/>
+            <a:endParaRPr lang="it-IT" sz="3300" dirty="0"/>
           </a:p>
         </p:txBody>
       </p:sp>
